--- a/ER.pptx
+++ b/ER.pptx
@@ -304,7 +304,7 @@
           <a:p>
             <a:fld id="{51FD22A1-6EBA-4010-B94E-C5975BF73823}" type="datetimeFigureOut">
               <a:rPr lang="en-US" smtClean="0"/>
-              <a:t>3/15/2024</a:t>
+              <a:t>4/4/2024</a:t>
             </a:fld>
             <a:endParaRPr lang="en-US" dirty="0"/>
           </a:p>
@@ -601,7 +601,7 @@
           <a:p>
             <a:fld id="{51FD22A1-6EBA-4010-B94E-C5975BF73823}" type="datetimeFigureOut">
               <a:rPr lang="en-US" smtClean="0"/>
-              <a:t>3/15/2024</a:t>
+              <a:t>4/4/2024</a:t>
             </a:fld>
             <a:endParaRPr lang="en-US" dirty="0"/>
           </a:p>
@@ -793,7 +793,7 @@
           <a:p>
             <a:fld id="{51FD22A1-6EBA-4010-B94E-C5975BF73823}" type="datetimeFigureOut">
               <a:rPr lang="en-US" smtClean="0"/>
-              <a:t>3/15/2024</a:t>
+              <a:t>4/4/2024</a:t>
             </a:fld>
             <a:endParaRPr lang="en-US" dirty="0"/>
           </a:p>
@@ -1054,7 +1054,7 @@
           <a:p>
             <a:fld id="{51FD22A1-6EBA-4010-B94E-C5975BF73823}" type="datetimeFigureOut">
               <a:rPr lang="en-US" smtClean="0"/>
-              <a:t>3/15/2024</a:t>
+              <a:t>4/4/2024</a:t>
             </a:fld>
             <a:endParaRPr lang="en-US" dirty="0"/>
           </a:p>
@@ -1478,7 +1478,7 @@
           <a:p>
             <a:fld id="{51FD22A1-6EBA-4010-B94E-C5975BF73823}" type="datetimeFigureOut">
               <a:rPr lang="en-US" smtClean="0"/>
-              <a:t>3/15/2024</a:t>
+              <a:t>4/4/2024</a:t>
             </a:fld>
             <a:endParaRPr lang="en-US" dirty="0"/>
           </a:p>
@@ -2015,7 +2015,7 @@
           <a:p>
             <a:fld id="{51FD22A1-6EBA-4010-B94E-C5975BF73823}" type="datetimeFigureOut">
               <a:rPr lang="en-US" smtClean="0"/>
-              <a:t>3/15/2024</a:t>
+              <a:t>4/4/2024</a:t>
             </a:fld>
             <a:endParaRPr lang="en-US" dirty="0"/>
           </a:p>
@@ -2876,7 +2876,7 @@
           <a:p>
             <a:fld id="{51FD22A1-6EBA-4010-B94E-C5975BF73823}" type="datetimeFigureOut">
               <a:rPr lang="en-US" smtClean="0"/>
-              <a:t>3/15/2024</a:t>
+              <a:t>4/4/2024</a:t>
             </a:fld>
             <a:endParaRPr lang="en-US" dirty="0"/>
           </a:p>
@@ -3046,7 +3046,7 @@
           <a:p>
             <a:fld id="{51FD22A1-6EBA-4010-B94E-C5975BF73823}" type="datetimeFigureOut">
               <a:rPr lang="en-US" smtClean="0"/>
-              <a:t>3/15/2024</a:t>
+              <a:t>4/4/2024</a:t>
             </a:fld>
             <a:endParaRPr lang="en-US" dirty="0"/>
           </a:p>
@@ -3230,7 +3230,7 @@
           <a:p>
             <a:fld id="{51FD22A1-6EBA-4010-B94E-C5975BF73823}" type="datetimeFigureOut">
               <a:rPr lang="en-US" smtClean="0"/>
-              <a:t>3/15/2024</a:t>
+              <a:t>4/4/2024</a:t>
             </a:fld>
             <a:endParaRPr lang="en-US" dirty="0"/>
           </a:p>
@@ -3400,7 +3400,7 @@
           <a:p>
             <a:fld id="{51FD22A1-6EBA-4010-B94E-C5975BF73823}" type="datetimeFigureOut">
               <a:rPr lang="en-US" smtClean="0"/>
-              <a:t>3/15/2024</a:t>
+              <a:t>4/4/2024</a:t>
             </a:fld>
             <a:endParaRPr lang="en-US" dirty="0"/>
           </a:p>
@@ -3644,7 +3644,7 @@
           <a:p>
             <a:fld id="{51FD22A1-6EBA-4010-B94E-C5975BF73823}" type="datetimeFigureOut">
               <a:rPr lang="en-US" smtClean="0"/>
-              <a:t>3/15/2024</a:t>
+              <a:t>4/4/2024</a:t>
             </a:fld>
             <a:endParaRPr lang="en-US" dirty="0"/>
           </a:p>
@@ -3880,7 +3880,7 @@
           <a:p>
             <a:fld id="{51FD22A1-6EBA-4010-B94E-C5975BF73823}" type="datetimeFigureOut">
               <a:rPr lang="en-US" smtClean="0"/>
-              <a:t>3/15/2024</a:t>
+              <a:t>4/4/2024</a:t>
             </a:fld>
             <a:endParaRPr lang="en-US" dirty="0"/>
           </a:p>
@@ -4346,7 +4346,7 @@
           <a:p>
             <a:fld id="{51FD22A1-6EBA-4010-B94E-C5975BF73823}" type="datetimeFigureOut">
               <a:rPr lang="en-US" smtClean="0"/>
-              <a:t>3/15/2024</a:t>
+              <a:t>4/4/2024</a:t>
             </a:fld>
             <a:endParaRPr lang="en-US" dirty="0"/>
           </a:p>
@@ -4464,7 +4464,7 @@
           <a:p>
             <a:fld id="{51FD22A1-6EBA-4010-B94E-C5975BF73823}" type="datetimeFigureOut">
               <a:rPr lang="en-US" smtClean="0"/>
-              <a:t>3/15/2024</a:t>
+              <a:t>4/4/2024</a:t>
             </a:fld>
             <a:endParaRPr lang="en-US" dirty="0"/>
           </a:p>
@@ -4559,7 +4559,7 @@
           <a:p>
             <a:fld id="{51FD22A1-6EBA-4010-B94E-C5975BF73823}" type="datetimeFigureOut">
               <a:rPr lang="en-US" smtClean="0"/>
-              <a:t>3/15/2024</a:t>
+              <a:t>4/4/2024</a:t>
             </a:fld>
             <a:endParaRPr lang="en-US" dirty="0"/>
           </a:p>
@@ -4814,7 +4814,7 @@
           <a:p>
             <a:fld id="{51FD22A1-6EBA-4010-B94E-C5975BF73823}" type="datetimeFigureOut">
               <a:rPr lang="en-US" smtClean="0"/>
-              <a:t>3/15/2024</a:t>
+              <a:t>4/4/2024</a:t>
             </a:fld>
             <a:endParaRPr lang="en-US" dirty="0"/>
           </a:p>
@@ -5113,7 +5113,7 @@
           <a:p>
             <a:fld id="{51FD22A1-6EBA-4010-B94E-C5975BF73823}" type="datetimeFigureOut">
               <a:rPr lang="en-US" smtClean="0"/>
-              <a:t>3/15/2024</a:t>
+              <a:t>4/4/2024</a:t>
             </a:fld>
             <a:endParaRPr lang="en-US" dirty="0"/>
           </a:p>
@@ -5347,7 +5347,7 @@
           <a:p>
             <a:fld id="{51FD22A1-6EBA-4010-B94E-C5975BF73823}" type="datetimeFigureOut">
               <a:rPr lang="en-US" smtClean="0"/>
-              <a:t>3/15/2024</a:t>
+              <a:t>4/4/2024</a:t>
             </a:fld>
             <a:endParaRPr lang="en-US" dirty="0"/>
           </a:p>
@@ -6038,14 +6038,14 @@
               <p:nvPr>
                 <p:extLst>
                   <p:ext uri="{D42A27DB-BD31-4B8C-83A1-F6EECF244321}">
-                    <p14:modId xmlns:p14="http://schemas.microsoft.com/office/powerpoint/2010/main" val="1716670761"/>
+                    <p14:modId xmlns:p14="http://schemas.microsoft.com/office/powerpoint/2010/main" val="695174799"/>
                   </p:ext>
                 </p:extLst>
               </p:nvPr>
             </p:nvGraphicFramePr>
             <p:xfrm>
-              <a:off x="7479483" y="-768586"/>
-              <a:ext cx="5009448" cy="2857099"/>
+              <a:off x="7403294" y="-1035248"/>
+              <a:ext cx="5161825" cy="3390423"/>
             </p:xfrm>
             <a:graphic>
               <a:graphicData uri="http://schemas.microsoft.com/office/drawing/2017/model3d">
@@ -6053,7 +6053,7 @@
                   <am3d:spPr>
                     <a:xfrm>
                       <a:off x="0" y="0"/>
-                      <a:ext cx="5009448" cy="2857099"/>
+                      <a:ext cx="5161825" cy="3390423"/>
                     </a:xfrm>
                     <a:prstGeom prst="rect">
                       <a:avLst/>
@@ -6073,13 +6073,13 @@
                       <am3d:sy n="1000000" d="1000000"/>
                       <am3d:sz n="1000000" d="1000000"/>
                     </am3d:scale>
-                    <am3d:rot ax="1298615" ay="-2376032" az="-851667"/>
+                    <am3d:rot ax="2206629" ay="-2478594" az="-1575773"/>
                     <am3d:postTrans dx="0" dy="0" dz="0"/>
                   </am3d:trans>
                   <am3d:raster rName="Office3DRenderer" rVer="16.0.8326">
                     <am3d:blip r:embed="rId3"/>
                   </am3d:raster>
-                  <am3d:objViewport viewportSz="5409441"/>
+                  <am3d:objViewport viewportSz="5409439"/>
                   <am3d:ambientLight>
                     <am3d:clr>
                       <a:scrgbClr r="50000" g="50000" b="50000"/>
@@ -6135,8 +6135,8 @@
             </p:blipFill>
             <p:spPr>
               <a:xfrm>
-                <a:off x="7479483" y="-768586"/>
-                <a:ext cx="5009448" cy="2857099"/>
+                <a:off x="7403294" y="-1035248"/>
+                <a:ext cx="5161825" cy="3390423"/>
               </a:xfrm>
               <a:prstGeom prst="rect">
                 <a:avLst/>
@@ -6158,8 +6158,8 @@
           <p:nvPr/>
         </p:nvSpPr>
         <p:spPr>
-          <a:xfrm rot="3594156">
-            <a:off x="5036233" y="-3776537"/>
+          <a:xfrm rot="3687231">
+            <a:off x="4965349" y="-3708805"/>
             <a:ext cx="2261302" cy="14986295"/>
           </a:xfrm>
           <a:custGeom>
@@ -8548,6 +8548,33 @@
                 <a:t>stuPass</a:t>
               </a:r>
             </a:p>
+            <a:p>
+              <a:r>
+                <a:rPr lang="en-US" dirty="0">
+                  <a:solidFill>
+                    <a:srgbClr val="FF0000"/>
+                  </a:solidFill>
+                </a:rPr>
+                <a:t>gender</a:t>
+              </a:r>
+            </a:p>
+            <a:p>
+              <a:r>
+                <a:rPr lang="en-US" dirty="0">
+                  <a:solidFill>
+                    <a:srgbClr val="FF0000"/>
+                  </a:solidFill>
+                </a:rPr>
+                <a:t>batch</a:t>
+              </a:r>
+            </a:p>
+            <a:p>
+              <a:endParaRPr lang="en-US" dirty="0">
+                <a:solidFill>
+                  <a:srgbClr val="FF0000"/>
+                </a:solidFill>
+              </a:endParaRPr>
+            </a:p>
           </p:txBody>
         </p:sp>
       </p:grpSp>

--- a/ER.pptx
+++ b/ER.pptx
@@ -304,7 +304,7 @@
           <a:p>
             <a:fld id="{51FD22A1-6EBA-4010-B94E-C5975BF73823}" type="datetimeFigureOut">
               <a:rPr lang="en-US" smtClean="0"/>
-              <a:t>4/4/2024</a:t>
+              <a:t>4/5/2024</a:t>
             </a:fld>
             <a:endParaRPr lang="en-US" dirty="0"/>
           </a:p>
@@ -601,7 +601,7 @@
           <a:p>
             <a:fld id="{51FD22A1-6EBA-4010-B94E-C5975BF73823}" type="datetimeFigureOut">
               <a:rPr lang="en-US" smtClean="0"/>
-              <a:t>4/4/2024</a:t>
+              <a:t>4/5/2024</a:t>
             </a:fld>
             <a:endParaRPr lang="en-US" dirty="0"/>
           </a:p>
@@ -793,7 +793,7 @@
           <a:p>
             <a:fld id="{51FD22A1-6EBA-4010-B94E-C5975BF73823}" type="datetimeFigureOut">
               <a:rPr lang="en-US" smtClean="0"/>
-              <a:t>4/4/2024</a:t>
+              <a:t>4/5/2024</a:t>
             </a:fld>
             <a:endParaRPr lang="en-US" dirty="0"/>
           </a:p>
@@ -1054,7 +1054,7 @@
           <a:p>
             <a:fld id="{51FD22A1-6EBA-4010-B94E-C5975BF73823}" type="datetimeFigureOut">
               <a:rPr lang="en-US" smtClean="0"/>
-              <a:t>4/4/2024</a:t>
+              <a:t>4/5/2024</a:t>
             </a:fld>
             <a:endParaRPr lang="en-US" dirty="0"/>
           </a:p>
@@ -1478,7 +1478,7 @@
           <a:p>
             <a:fld id="{51FD22A1-6EBA-4010-B94E-C5975BF73823}" type="datetimeFigureOut">
               <a:rPr lang="en-US" smtClean="0"/>
-              <a:t>4/4/2024</a:t>
+              <a:t>4/5/2024</a:t>
             </a:fld>
             <a:endParaRPr lang="en-US" dirty="0"/>
           </a:p>
@@ -2015,7 +2015,7 @@
           <a:p>
             <a:fld id="{51FD22A1-6EBA-4010-B94E-C5975BF73823}" type="datetimeFigureOut">
               <a:rPr lang="en-US" smtClean="0"/>
-              <a:t>4/4/2024</a:t>
+              <a:t>4/5/2024</a:t>
             </a:fld>
             <a:endParaRPr lang="en-US" dirty="0"/>
           </a:p>
@@ -2876,7 +2876,7 @@
           <a:p>
             <a:fld id="{51FD22A1-6EBA-4010-B94E-C5975BF73823}" type="datetimeFigureOut">
               <a:rPr lang="en-US" smtClean="0"/>
-              <a:t>4/4/2024</a:t>
+              <a:t>4/5/2024</a:t>
             </a:fld>
             <a:endParaRPr lang="en-US" dirty="0"/>
           </a:p>
@@ -3046,7 +3046,7 @@
           <a:p>
             <a:fld id="{51FD22A1-6EBA-4010-B94E-C5975BF73823}" type="datetimeFigureOut">
               <a:rPr lang="en-US" smtClean="0"/>
-              <a:t>4/4/2024</a:t>
+              <a:t>4/5/2024</a:t>
             </a:fld>
             <a:endParaRPr lang="en-US" dirty="0"/>
           </a:p>
@@ -3230,7 +3230,7 @@
           <a:p>
             <a:fld id="{51FD22A1-6EBA-4010-B94E-C5975BF73823}" type="datetimeFigureOut">
               <a:rPr lang="en-US" smtClean="0"/>
-              <a:t>4/4/2024</a:t>
+              <a:t>4/5/2024</a:t>
             </a:fld>
             <a:endParaRPr lang="en-US" dirty="0"/>
           </a:p>
@@ -3400,7 +3400,7 @@
           <a:p>
             <a:fld id="{51FD22A1-6EBA-4010-B94E-C5975BF73823}" type="datetimeFigureOut">
               <a:rPr lang="en-US" smtClean="0"/>
-              <a:t>4/4/2024</a:t>
+              <a:t>4/5/2024</a:t>
             </a:fld>
             <a:endParaRPr lang="en-US" dirty="0"/>
           </a:p>
@@ -3644,7 +3644,7 @@
           <a:p>
             <a:fld id="{51FD22A1-6EBA-4010-B94E-C5975BF73823}" type="datetimeFigureOut">
               <a:rPr lang="en-US" smtClean="0"/>
-              <a:t>4/4/2024</a:t>
+              <a:t>4/5/2024</a:t>
             </a:fld>
             <a:endParaRPr lang="en-US" dirty="0"/>
           </a:p>
@@ -3880,7 +3880,7 @@
           <a:p>
             <a:fld id="{51FD22A1-6EBA-4010-B94E-C5975BF73823}" type="datetimeFigureOut">
               <a:rPr lang="en-US" smtClean="0"/>
-              <a:t>4/4/2024</a:t>
+              <a:t>4/5/2024</a:t>
             </a:fld>
             <a:endParaRPr lang="en-US" dirty="0"/>
           </a:p>
@@ -4346,7 +4346,7 @@
           <a:p>
             <a:fld id="{51FD22A1-6EBA-4010-B94E-C5975BF73823}" type="datetimeFigureOut">
               <a:rPr lang="en-US" smtClean="0"/>
-              <a:t>4/4/2024</a:t>
+              <a:t>4/5/2024</a:t>
             </a:fld>
             <a:endParaRPr lang="en-US" dirty="0"/>
           </a:p>
@@ -4464,7 +4464,7 @@
           <a:p>
             <a:fld id="{51FD22A1-6EBA-4010-B94E-C5975BF73823}" type="datetimeFigureOut">
               <a:rPr lang="en-US" smtClean="0"/>
-              <a:t>4/4/2024</a:t>
+              <a:t>4/5/2024</a:t>
             </a:fld>
             <a:endParaRPr lang="en-US" dirty="0"/>
           </a:p>
@@ -4559,7 +4559,7 @@
           <a:p>
             <a:fld id="{51FD22A1-6EBA-4010-B94E-C5975BF73823}" type="datetimeFigureOut">
               <a:rPr lang="en-US" smtClean="0"/>
-              <a:t>4/4/2024</a:t>
+              <a:t>4/5/2024</a:t>
             </a:fld>
             <a:endParaRPr lang="en-US" dirty="0"/>
           </a:p>
@@ -4814,7 +4814,7 @@
           <a:p>
             <a:fld id="{51FD22A1-6EBA-4010-B94E-C5975BF73823}" type="datetimeFigureOut">
               <a:rPr lang="en-US" smtClean="0"/>
-              <a:t>4/4/2024</a:t>
+              <a:t>4/5/2024</a:t>
             </a:fld>
             <a:endParaRPr lang="en-US" dirty="0"/>
           </a:p>
@@ -5113,7 +5113,7 @@
           <a:p>
             <a:fld id="{51FD22A1-6EBA-4010-B94E-C5975BF73823}" type="datetimeFigureOut">
               <a:rPr lang="en-US" smtClean="0"/>
-              <a:t>4/4/2024</a:t>
+              <a:t>4/5/2024</a:t>
             </a:fld>
             <a:endParaRPr lang="en-US" dirty="0"/>
           </a:p>
@@ -5347,7 +5347,7 @@
           <a:p>
             <a:fld id="{51FD22A1-6EBA-4010-B94E-C5975BF73823}" type="datetimeFigureOut">
               <a:rPr lang="en-US" smtClean="0"/>
-              <a:t>4/4/2024</a:t>
+              <a:t>4/5/2024</a:t>
             </a:fld>
             <a:endParaRPr lang="en-US" dirty="0"/>
           </a:p>
@@ -8550,23 +8550,49 @@
             </a:p>
             <a:p>
               <a:r>
-                <a:rPr lang="en-US" dirty="0">
+                <a:rPr lang="en-US" dirty="0" err="1">
                   <a:solidFill>
                     <a:srgbClr val="FF0000"/>
                   </a:solidFill>
                 </a:rPr>
-                <a:t>gender</a:t>
+                <a:t>stuGender</a:t>
               </a:r>
+              <a:endParaRPr lang="en-US" dirty="0">
+                <a:solidFill>
+                  <a:srgbClr val="FF0000"/>
+                </a:solidFill>
+              </a:endParaRPr>
             </a:p>
             <a:p>
+              <a:r>
+                <a:rPr lang="en-US">
+                  <a:solidFill>
+                    <a:srgbClr val="FF0000"/>
+                  </a:solidFill>
+                </a:rPr>
+                <a:t>stu</a:t>
+              </a:r>
               <a:r>
                 <a:rPr lang="en-US" dirty="0">
                   <a:solidFill>
                     <a:srgbClr val="FF0000"/>
                   </a:solidFill>
                 </a:rPr>
-                <a:t>batch</a:t>
+                <a:t>B</a:t>
               </a:r>
+              <a:r>
+                <a:rPr lang="en-US">
+                  <a:solidFill>
+                    <a:srgbClr val="FF0000"/>
+                  </a:solidFill>
+                </a:rPr>
+                <a:t>atch</a:t>
+              </a:r>
+              <a:endParaRPr lang="en-US" dirty="0">
+                <a:solidFill>
+                  <a:srgbClr val="FF0000"/>
+                </a:solidFill>
+              </a:endParaRPr>
             </a:p>
             <a:p>
               <a:endParaRPr lang="en-US" dirty="0">
